--- a/MustEat.pptx
+++ b/MustEat.pptx
@@ -5,7 +5,7 @@
     <p:sldMasterId id="2147483662" r:id="rId1"/>
   </p:sldMasterIdLst>
   <p:notesMasterIdLst>
-    <p:notesMasterId r:id="rId16"/>
+    <p:notesMasterId r:id="rId15"/>
   </p:notesMasterIdLst>
   <p:sldIdLst>
     <p:sldId id="256" r:id="rId2"/>
@@ -21,7 +21,6 @@
     <p:sldId id="280" r:id="rId12"/>
     <p:sldId id="278" r:id="rId13"/>
     <p:sldId id="279" r:id="rId14"/>
-    <p:sldId id="268" r:id="rId15"/>
   </p:sldIdLst>
   <p:sldSz cx="18288000" cy="10287000"/>
   <p:notesSz cx="10287000" cy="18288000"/>
@@ -221,7 +220,7 @@
           <a:p>
             <a:fld id="{63DAB369-9DF5-4D7C-B786-077A14EAA47D}" type="datetimeFigureOut">
               <a:rPr lang="ko-KR" altLang="en-US" smtClean="0"/>
-              <a:t>2023-03-20</a:t>
+              <a:t>2023-03-21</a:t>
             </a:fld>
             <a:endParaRPr lang="ko-KR" altLang="en-US"/>
           </a:p>
@@ -667,7 +666,7 @@
           <a:p>
             <a:fld id="{F8166F1F-CE9B-4651-A6AA-CD717754106B}" type="datetimeFigureOut">
               <a:rPr lang="en-US" smtClean="0"/>
-              <a:t>3/20/2023</a:t>
+              <a:t>3/21/2023</a:t>
             </a:fld>
             <a:endParaRPr lang="en-US"/>
           </a:p>
@@ -830,7 +829,7 @@
           <a:p>
             <a:fld id="{A76116CE-C4A3-4A05-B2D7-7C2E9A889C0F}" type="datetimeFigureOut">
               <a:rPr lang="en-US" smtClean="0"/>
-              <a:t>3/20/2023</a:t>
+              <a:t>3/21/2023</a:t>
             </a:fld>
             <a:endParaRPr lang="en-US"/>
           </a:p>
@@ -1003,7 +1002,7 @@
           <a:p>
             <a:fld id="{A76116CE-C4A3-4A05-B2D7-7C2E9A889C0F}" type="datetimeFigureOut">
               <a:rPr lang="en-US" smtClean="0"/>
-              <a:t>3/20/2023</a:t>
+              <a:t>3/21/2023</a:t>
             </a:fld>
             <a:endParaRPr lang="en-US"/>
           </a:p>
@@ -1168,7 +1167,7 @@
           <a:p>
             <a:fld id="{A76116CE-C4A3-4A05-B2D7-7C2E9A889C0F}" type="datetimeFigureOut">
               <a:rPr lang="en-US" smtClean="0"/>
-              <a:t>3/20/2023</a:t>
+              <a:t>3/21/2023</a:t>
             </a:fld>
             <a:endParaRPr lang="en-US"/>
           </a:p>
@@ -1408,7 +1407,7 @@
           <a:p>
             <a:fld id="{A76116CE-C4A3-4A05-B2D7-7C2E9A889C0F}" type="datetimeFigureOut">
               <a:rPr lang="en-US" smtClean="0"/>
-              <a:t>3/20/2023</a:t>
+              <a:t>3/21/2023</a:t>
             </a:fld>
             <a:endParaRPr lang="en-US"/>
           </a:p>
@@ -1688,7 +1687,7 @@
           <a:p>
             <a:fld id="{A76116CE-C4A3-4A05-B2D7-7C2E9A889C0F}" type="datetimeFigureOut">
               <a:rPr lang="en-US" smtClean="0"/>
-              <a:t>3/20/2023</a:t>
+              <a:t>3/21/2023</a:t>
             </a:fld>
             <a:endParaRPr lang="en-US"/>
           </a:p>
@@ -2102,7 +2101,7 @@
           <a:p>
             <a:fld id="{A76116CE-C4A3-4A05-B2D7-7C2E9A889C0F}" type="datetimeFigureOut">
               <a:rPr lang="en-US" smtClean="0"/>
-              <a:t>3/20/2023</a:t>
+              <a:t>3/21/2023</a:t>
             </a:fld>
             <a:endParaRPr lang="en-US"/>
           </a:p>
@@ -2214,7 +2213,7 @@
           <a:p>
             <a:fld id="{A76116CE-C4A3-4A05-B2D7-7C2E9A889C0F}" type="datetimeFigureOut">
               <a:rPr lang="en-US" smtClean="0"/>
-              <a:t>3/20/2023</a:t>
+              <a:t>3/21/2023</a:t>
             </a:fld>
             <a:endParaRPr lang="en-US"/>
           </a:p>
@@ -2304,7 +2303,7 @@
           <a:p>
             <a:fld id="{A76116CE-C4A3-4A05-B2D7-7C2E9A889C0F}" type="datetimeFigureOut">
               <a:rPr lang="en-US" smtClean="0"/>
-              <a:t>3/20/2023</a:t>
+              <a:t>3/21/2023</a:t>
             </a:fld>
             <a:endParaRPr lang="en-US"/>
           </a:p>
@@ -2574,7 +2573,7 @@
           <a:p>
             <a:fld id="{A76116CE-C4A3-4A05-B2D7-7C2E9A889C0F}" type="datetimeFigureOut">
               <a:rPr lang="en-US" smtClean="0"/>
-              <a:t>3/20/2023</a:t>
+              <a:t>3/21/2023</a:t>
             </a:fld>
             <a:endParaRPr lang="en-US"/>
           </a:p>
@@ -2821,7 +2820,7 @@
           <a:p>
             <a:fld id="{A76116CE-C4A3-4A05-B2D7-7C2E9A889C0F}" type="datetimeFigureOut">
               <a:rPr lang="en-US" smtClean="0"/>
-              <a:t>3/20/2023</a:t>
+              <a:t>3/21/2023</a:t>
             </a:fld>
             <a:endParaRPr lang="en-US"/>
           </a:p>
@@ -3027,7 +3026,7 @@
           <a:p>
             <a:fld id="{F8166F1F-CE9B-4651-A6AA-CD717754106B}" type="datetimeFigureOut">
               <a:rPr lang="en-US" smtClean="0"/>
-              <a:t>3/20/2023</a:t>
+              <a:t>3/21/2023</a:t>
             </a:fld>
             <a:endParaRPr lang="en-US"/>
           </a:p>
@@ -3740,7 +3739,7 @@
     <mc:Choice Requires="p14">
       <p:transition/>
     </mc:Choice>
-    <mc:Fallback xmlns:dsp="http://schemas.microsoft.com/office/drawing/2008/diagram" xmlns:dgm="http://schemas.openxmlformats.org/drawingml/2006/diagram" xmlns:c="http://schemas.openxmlformats.org/drawingml/2006/chart" xmlns="">
+    <mc:Fallback xmlns="" xmlns:c="http://schemas.openxmlformats.org/drawingml/2006/chart" xmlns:dgm="http://schemas.openxmlformats.org/drawingml/2006/diagram" xmlns:dsp="http://schemas.microsoft.com/office/drawing/2008/diagram">
       <p:transition/>
     </mc:Fallback>
   </mc:AlternateContent>
@@ -9653,39 +9652,6 @@
         <p14:creationId xmlns:p14="http://schemas.microsoft.com/office/powerpoint/2010/main" val="3655049211"/>
       </p:ext>
     </p:extLst>
-  </p:cSld>
-  <p:clrMapOvr>
-    <a:masterClrMapping/>
-  </p:clrMapOvr>
-</p:sld>
-</file>
-
-<file path=ppt/slides/slide14.xml><?xml version="1.0" encoding="utf-8"?>
-<p:sld xmlns:a="http://schemas.openxmlformats.org/drawingml/2006/main" xmlns:r="http://schemas.openxmlformats.org/officeDocument/2006/relationships" xmlns:p="http://schemas.openxmlformats.org/presentationml/2006/main">
-  <p:cSld name="Slide 13">
-    <p:bg>
-      <p:bgPr>
-        <a:solidFill>
-          <a:srgbClr val="FFFFFF"/>
-        </a:solidFill>
-        <a:effectLst/>
-      </p:bgPr>
-    </p:bg>
-    <p:spTree>
-      <p:nvGrpSpPr>
-        <p:cNvPr id="1" name=""/>
-        <p:cNvGrpSpPr/>
-        <p:nvPr/>
-      </p:nvGrpSpPr>
-      <p:grpSpPr>
-        <a:xfrm>
-          <a:off x="0" y="0"/>
-          <a:ext cx="0" cy="0"/>
-          <a:chOff x="0" y="0"/>
-          <a:chExt cx="0" cy="0"/>
-        </a:xfrm>
-      </p:grpSpPr>
-    </p:spTree>
   </p:cSld>
   <p:clrMapOvr>
     <a:masterClrMapping/>

--- a/MustEat.pptx
+++ b/MustEat.pptx
@@ -1,6 +1,6 @@
 
 <file path=ppt/presentation.xml><?xml version="1.0" encoding="utf-8"?>
-<p:presentation xmlns:a="http://schemas.openxmlformats.org/drawingml/2006/main" xmlns:r="http://schemas.openxmlformats.org/officeDocument/2006/relationships" xmlns:p="http://schemas.openxmlformats.org/presentationml/2006/main" saveSubsetFonts="1">
+<p:presentation xmlns:a="http://schemas.openxmlformats.org/drawingml/2006/main" xmlns:r="http://schemas.openxmlformats.org/officeDocument/2006/relationships" xmlns:p="http://schemas.openxmlformats.org/presentationml/2006/main" serverZoom="29639" saveSubsetFonts="1">
   <p:sldMasterIdLst>
     <p:sldMasterId id="2147483662" r:id="rId1"/>
   </p:sldMasterIdLst>
@@ -220,7 +220,7 @@
           <a:p>
             <a:fld id="{63DAB369-9DF5-4D7C-B786-077A14EAA47D}" type="datetimeFigureOut">
               <a:rPr lang="ko-KR" altLang="en-US" smtClean="0"/>
-              <a:t>2023-03-21</a:t>
+              <a:t>2023-03-23</a:t>
             </a:fld>
             <a:endParaRPr lang="ko-KR" altLang="en-US"/>
           </a:p>
@@ -666,7 +666,7 @@
           <a:p>
             <a:fld id="{F8166F1F-CE9B-4651-A6AA-CD717754106B}" type="datetimeFigureOut">
               <a:rPr lang="en-US" smtClean="0"/>
-              <a:t>3/21/2023</a:t>
+              <a:t>3/23/2023</a:t>
             </a:fld>
             <a:endParaRPr lang="en-US"/>
           </a:p>
@@ -829,7 +829,7 @@
           <a:p>
             <a:fld id="{A76116CE-C4A3-4A05-B2D7-7C2E9A889C0F}" type="datetimeFigureOut">
               <a:rPr lang="en-US" smtClean="0"/>
-              <a:t>3/21/2023</a:t>
+              <a:t>3/23/2023</a:t>
             </a:fld>
             <a:endParaRPr lang="en-US"/>
           </a:p>
@@ -1002,7 +1002,7 @@
           <a:p>
             <a:fld id="{A76116CE-C4A3-4A05-B2D7-7C2E9A889C0F}" type="datetimeFigureOut">
               <a:rPr lang="en-US" smtClean="0"/>
-              <a:t>3/21/2023</a:t>
+              <a:t>3/23/2023</a:t>
             </a:fld>
             <a:endParaRPr lang="en-US"/>
           </a:p>
@@ -1167,7 +1167,7 @@
           <a:p>
             <a:fld id="{A76116CE-C4A3-4A05-B2D7-7C2E9A889C0F}" type="datetimeFigureOut">
               <a:rPr lang="en-US" smtClean="0"/>
-              <a:t>3/21/2023</a:t>
+              <a:t>3/23/2023</a:t>
             </a:fld>
             <a:endParaRPr lang="en-US"/>
           </a:p>
@@ -1407,7 +1407,7 @@
           <a:p>
             <a:fld id="{A76116CE-C4A3-4A05-B2D7-7C2E9A889C0F}" type="datetimeFigureOut">
               <a:rPr lang="en-US" smtClean="0"/>
-              <a:t>3/21/2023</a:t>
+              <a:t>3/23/2023</a:t>
             </a:fld>
             <a:endParaRPr lang="en-US"/>
           </a:p>
@@ -1687,7 +1687,7 @@
           <a:p>
             <a:fld id="{A76116CE-C4A3-4A05-B2D7-7C2E9A889C0F}" type="datetimeFigureOut">
               <a:rPr lang="en-US" smtClean="0"/>
-              <a:t>3/21/2023</a:t>
+              <a:t>3/23/2023</a:t>
             </a:fld>
             <a:endParaRPr lang="en-US"/>
           </a:p>
@@ -2101,7 +2101,7 @@
           <a:p>
             <a:fld id="{A76116CE-C4A3-4A05-B2D7-7C2E9A889C0F}" type="datetimeFigureOut">
               <a:rPr lang="en-US" smtClean="0"/>
-              <a:t>3/21/2023</a:t>
+              <a:t>3/23/2023</a:t>
             </a:fld>
             <a:endParaRPr lang="en-US"/>
           </a:p>
@@ -2213,7 +2213,7 @@
           <a:p>
             <a:fld id="{A76116CE-C4A3-4A05-B2D7-7C2E9A889C0F}" type="datetimeFigureOut">
               <a:rPr lang="en-US" smtClean="0"/>
-              <a:t>3/21/2023</a:t>
+              <a:t>3/23/2023</a:t>
             </a:fld>
             <a:endParaRPr lang="en-US"/>
           </a:p>
@@ -2303,7 +2303,7 @@
           <a:p>
             <a:fld id="{A76116CE-C4A3-4A05-B2D7-7C2E9A889C0F}" type="datetimeFigureOut">
               <a:rPr lang="en-US" smtClean="0"/>
-              <a:t>3/21/2023</a:t>
+              <a:t>3/23/2023</a:t>
             </a:fld>
             <a:endParaRPr lang="en-US"/>
           </a:p>
@@ -2573,7 +2573,7 @@
           <a:p>
             <a:fld id="{A76116CE-C4A3-4A05-B2D7-7C2E9A889C0F}" type="datetimeFigureOut">
               <a:rPr lang="en-US" smtClean="0"/>
-              <a:t>3/21/2023</a:t>
+              <a:t>3/23/2023</a:t>
             </a:fld>
             <a:endParaRPr lang="en-US"/>
           </a:p>
@@ -2820,7 +2820,7 @@
           <a:p>
             <a:fld id="{A76116CE-C4A3-4A05-B2D7-7C2E9A889C0F}" type="datetimeFigureOut">
               <a:rPr lang="en-US" smtClean="0"/>
-              <a:t>3/21/2023</a:t>
+              <a:t>3/23/2023</a:t>
             </a:fld>
             <a:endParaRPr lang="en-US"/>
           </a:p>
@@ -3026,7 +3026,7 @@
           <a:p>
             <a:fld id="{F8166F1F-CE9B-4651-A6AA-CD717754106B}" type="datetimeFigureOut">
               <a:rPr lang="en-US" smtClean="0"/>
-              <a:t>3/21/2023</a:t>
+              <a:t>3/23/2023</a:t>
             </a:fld>
             <a:endParaRPr lang="en-US"/>
           </a:p>
@@ -3739,7 +3739,7 @@
     <mc:Choice Requires="p14">
       <p:transition/>
     </mc:Choice>
-    <mc:Fallback xmlns="" xmlns:c="http://schemas.openxmlformats.org/drawingml/2006/chart" xmlns:dgm="http://schemas.openxmlformats.org/drawingml/2006/diagram" xmlns:dsp="http://schemas.microsoft.com/office/drawing/2008/diagram">
+    <mc:Fallback xmlns:dsp="http://schemas.microsoft.com/office/drawing/2008/diagram" xmlns:dgm="http://schemas.openxmlformats.org/drawingml/2006/diagram" xmlns:c="http://schemas.openxmlformats.org/drawingml/2006/chart" xmlns="">
       <p:transition/>
     </mc:Fallback>
   </mc:AlternateContent>
